--- a/oopquest/2_oopquest.pptx
+++ b/oopquest/2_oopquest.pptx
@@ -5,35 +5,36 @@
     <p:sldMasterId id="2147483680" r:id="rId1"/>
   </p:sldMasterIdLst>
   <p:notesMasterIdLst>
-    <p:notesMasterId r:id="rId7"/>
+    <p:notesMasterId r:id="rId8"/>
   </p:notesMasterIdLst>
   <p:sldIdLst>
-    <p:sldId id="2130" r:id="rId2"/>
-    <p:sldId id="2131" r:id="rId3"/>
-    <p:sldId id="2132" r:id="rId4"/>
-    <p:sldId id="2133" r:id="rId5"/>
-    <p:sldId id="2135" r:id="rId6"/>
+    <p:sldId id="2137" r:id="rId2"/>
+    <p:sldId id="2130" r:id="rId3"/>
+    <p:sldId id="2131" r:id="rId4"/>
+    <p:sldId id="2132" r:id="rId5"/>
+    <p:sldId id="2133" r:id="rId6"/>
+    <p:sldId id="2135" r:id="rId7"/>
   </p:sldIdLst>
   <p:sldSz cx="12192000" cy="6858000"/>
   <p:notesSz cx="6858000" cy="9144000"/>
   <p:embeddedFontLst>
     <p:embeddedFont>
       <p:font typeface="Archivo Narrow" panose="020B0506020202020B04" pitchFamily="34" charset="0"/>
-      <p:regular r:id="rId8"/>
-      <p:bold r:id="rId9"/>
-      <p:italic r:id="rId10"/>
+      <p:regular r:id="rId9"/>
+      <p:bold r:id="rId10"/>
+      <p:italic r:id="rId11"/>
     </p:embeddedFont>
     <p:embeddedFont>
       <p:font typeface="Blogger Sans" panose="02000506030000020004" pitchFamily="50" charset="0"/>
-      <p:regular r:id="rId11"/>
-      <p:bold r:id="rId12"/>
+      <p:regular r:id="rId12"/>
+      <p:bold r:id="rId13"/>
     </p:embeddedFont>
     <p:embeddedFont>
       <p:font typeface="Calibri" panose="020F0502020204030204" pitchFamily="34" charset="0"/>
-      <p:regular r:id="rId13"/>
-      <p:bold r:id="rId14"/>
-      <p:italic r:id="rId15"/>
-      <p:boldItalic r:id="rId16"/>
+      <p:regular r:id="rId14"/>
+      <p:bold r:id="rId15"/>
+      <p:italic r:id="rId16"/>
+      <p:boldItalic r:id="rId17"/>
     </p:embeddedFont>
   </p:embeddedFontLst>
   <p:defaultTextStyle>
@@ -221,7 +222,7 @@
           <a:p>
             <a:fld id="{1254F3E3-81C2-4B38-A6A9-786852A8B13E}" type="datetimeFigureOut">
               <a:rPr lang="nl-BE" smtClean="0"/>
-              <a:t>1/03/2021</a:t>
+              <a:t>2/03/2021</a:t>
             </a:fld>
             <a:endParaRPr lang="nl-BE"/>
           </a:p>
@@ -744,7 +745,7 @@
           <a:p>
             <a:fld id="{2661A00B-007A-4326-8859-8C83DD4C6E5D}" type="datetimeFigureOut">
               <a:rPr lang="nl-BE" smtClean="0"/>
-              <a:t>1/03/2021</a:t>
+              <a:t>2/03/2021</a:t>
             </a:fld>
             <a:endParaRPr lang="nl-BE"/>
           </a:p>
@@ -1037,7 +1038,7 @@
           <a:p>
             <a:fld id="{2661A00B-007A-4326-8859-8C83DD4C6E5D}" type="datetimeFigureOut">
               <a:rPr lang="nl-BE" smtClean="0"/>
-              <a:t>1/03/2021</a:t>
+              <a:t>2/03/2021</a:t>
             </a:fld>
             <a:endParaRPr lang="nl-BE"/>
           </a:p>
@@ -1257,7 +1258,7 @@
           <a:p>
             <a:fld id="{2661A00B-007A-4326-8859-8C83DD4C6E5D}" type="datetimeFigureOut">
               <a:rPr lang="nl-BE" smtClean="0"/>
-              <a:t>1/03/2021</a:t>
+              <a:t>2/03/2021</a:t>
             </a:fld>
             <a:endParaRPr lang="nl-BE"/>
           </a:p>
@@ -1498,7 +1499,7 @@
           <a:p>
             <a:fld id="{2661A00B-007A-4326-8859-8C83DD4C6E5D}" type="datetimeFigureOut">
               <a:rPr lang="nl-BE" smtClean="0"/>
-              <a:t>1/03/2021</a:t>
+              <a:t>2/03/2021</a:t>
             </a:fld>
             <a:endParaRPr lang="nl-BE"/>
           </a:p>
@@ -1784,7 +1785,7 @@
           <a:p>
             <a:fld id="{2661A00B-007A-4326-8859-8C83DD4C6E5D}" type="datetimeFigureOut">
               <a:rPr lang="nl-BE" smtClean="0"/>
-              <a:t>1/03/2021</a:t>
+              <a:t>2/03/2021</a:t>
             </a:fld>
             <a:endParaRPr lang="nl-BE"/>
           </a:p>
@@ -2062,7 +2063,7 @@
           <a:p>
             <a:fld id="{2661A00B-007A-4326-8859-8C83DD4C6E5D}" type="datetimeFigureOut">
               <a:rPr lang="nl-BE" smtClean="0"/>
-              <a:t>1/03/2021</a:t>
+              <a:t>2/03/2021</a:t>
             </a:fld>
             <a:endParaRPr lang="nl-BE"/>
           </a:p>
@@ -2487,7 +2488,7 @@
           <a:p>
             <a:fld id="{2661A00B-007A-4326-8859-8C83DD4C6E5D}" type="datetimeFigureOut">
               <a:rPr lang="nl-BE" smtClean="0"/>
-              <a:t>1/03/2021</a:t>
+              <a:t>2/03/2021</a:t>
             </a:fld>
             <a:endParaRPr lang="nl-BE"/>
           </a:p>
@@ -2639,7 +2640,7 @@
           <a:p>
             <a:fld id="{2661A00B-007A-4326-8859-8C83DD4C6E5D}" type="datetimeFigureOut">
               <a:rPr lang="nl-BE" smtClean="0"/>
-              <a:t>1/03/2021</a:t>
+              <a:t>2/03/2021</a:t>
             </a:fld>
             <a:endParaRPr lang="nl-BE"/>
           </a:p>
@@ -2762,7 +2763,7 @@
           <a:p>
             <a:fld id="{2661A00B-007A-4326-8859-8C83DD4C6E5D}" type="datetimeFigureOut">
               <a:rPr lang="nl-BE" smtClean="0"/>
-              <a:t>1/03/2021</a:t>
+              <a:t>2/03/2021</a:t>
             </a:fld>
             <a:endParaRPr lang="nl-BE"/>
           </a:p>
@@ -3085,7 +3086,7 @@
           <a:p>
             <a:fld id="{2661A00B-007A-4326-8859-8C83DD4C6E5D}" type="datetimeFigureOut">
               <a:rPr lang="nl-BE" smtClean="0"/>
-              <a:t>1/03/2021</a:t>
+              <a:t>2/03/2021</a:t>
             </a:fld>
             <a:endParaRPr lang="nl-BE"/>
           </a:p>
@@ -3388,7 +3389,7 @@
           <a:p>
             <a:fld id="{2661A00B-007A-4326-8859-8C83DD4C6E5D}" type="datetimeFigureOut">
               <a:rPr lang="nl-BE" smtClean="0"/>
-              <a:t>1/03/2021</a:t>
+              <a:t>2/03/2021</a:t>
             </a:fld>
             <a:endParaRPr lang="nl-BE"/>
           </a:p>
@@ -3641,7 +3642,7 @@
           <a:p>
             <a:fld id="{2661A00B-007A-4326-8859-8C83DD4C6E5D}" type="datetimeFigureOut">
               <a:rPr lang="nl-BE" smtClean="0"/>
-              <a:t>1/03/2021</a:t>
+              <a:t>2/03/2021</a:t>
             </a:fld>
             <a:endParaRPr lang="nl-BE"/>
           </a:p>
@@ -4191,6 +4192,236 @@
       </p:grpSpPr>
       <p:sp>
         <p:nvSpPr>
+          <p:cNvPr id="2" name="Titel 1">
+            <a:extLst>
+              <a:ext uri="{FF2B5EF4-FFF2-40B4-BE49-F238E27FC236}">
+                <a16:creationId xmlns:a16="http://schemas.microsoft.com/office/drawing/2014/main" id="{6B8504FF-419D-4C3A-9D4E-9ACEE8E5F9C4}"/>
+              </a:ext>
+            </a:extLst>
+          </p:cNvPr>
+          <p:cNvSpPr>
+            <a:spLocks noGrp="1"/>
+          </p:cNvSpPr>
+          <p:nvPr>
+            <p:ph type="title"/>
+          </p:nvPr>
+        </p:nvSpPr>
+        <p:spPr/>
+        <p:txBody>
+          <a:bodyPr/>
+          <a:lstStyle/>
+          <a:p>
+            <a:endParaRPr lang="nl-BE"/>
+          </a:p>
+        </p:txBody>
+      </p:sp>
+      <p:sp>
+        <p:nvSpPr>
+          <p:cNvPr id="3" name="Tijdelijke aanduiding voor inhoud 2">
+            <a:extLst>
+              <a:ext uri="{FF2B5EF4-FFF2-40B4-BE49-F238E27FC236}">
+                <a16:creationId xmlns:a16="http://schemas.microsoft.com/office/drawing/2014/main" id="{1637C0B2-2C20-4799-8B2D-CB4E1929CCD1}"/>
+              </a:ext>
+            </a:extLst>
+          </p:cNvPr>
+          <p:cNvSpPr>
+            <a:spLocks noGrp="1"/>
+          </p:cNvSpPr>
+          <p:nvPr>
+            <p:ph idx="1"/>
+          </p:nvPr>
+        </p:nvSpPr>
+        <p:spPr/>
+        <p:txBody>
+          <a:bodyPr/>
+          <a:lstStyle/>
+          <a:p>
+            <a:endParaRPr lang="nl-BE"/>
+          </a:p>
+        </p:txBody>
+      </p:sp>
+      <p:sp>
+        <p:nvSpPr>
+          <p:cNvPr id="4" name="Tijdelijke aanduiding voor dianummer 3">
+            <a:extLst>
+              <a:ext uri="{FF2B5EF4-FFF2-40B4-BE49-F238E27FC236}">
+                <a16:creationId xmlns:a16="http://schemas.microsoft.com/office/drawing/2014/main" id="{F46F512F-4BA6-4B69-AA80-2B296077AB18}"/>
+              </a:ext>
+            </a:extLst>
+          </p:cNvPr>
+          <p:cNvSpPr>
+            <a:spLocks noGrp="1"/>
+          </p:cNvSpPr>
+          <p:nvPr>
+            <p:ph type="sldNum" sz="quarter" idx="12"/>
+          </p:nvPr>
+        </p:nvSpPr>
+        <p:spPr/>
+        <p:txBody>
+          <a:bodyPr/>
+          <a:lstStyle/>
+          <a:p>
+            <a:pPr>
+              <a:defRPr/>
+            </a:pPr>
+            <a:r>
+              <a:rPr lang="nl-NL"/>
+              <a:t>© ap| </a:t>
+            </a:r>
+            <a:fld id="{8A00CA90-1673-4C5D-B289-DA0BFE9501DF}" type="slidenum">
+              <a:rPr lang="nl-NL" smtClean="0"/>
+              <a:pPr>
+                <a:defRPr/>
+              </a:pPr>
+              <a:t>1</a:t>
+            </a:fld>
+            <a:endParaRPr lang="nl-NL" dirty="0"/>
+          </a:p>
+        </p:txBody>
+      </p:sp>
+      <p:pic>
+        <p:nvPicPr>
+          <p:cNvPr id="6" name="Afbeelding 5">
+            <a:extLst>
+              <a:ext uri="{FF2B5EF4-FFF2-40B4-BE49-F238E27FC236}">
+                <a16:creationId xmlns:a16="http://schemas.microsoft.com/office/drawing/2014/main" id="{C857672D-8FB5-4C9A-8C7C-8C8C2FAADAE4}"/>
+              </a:ext>
+            </a:extLst>
+          </p:cNvPr>
+          <p:cNvPicPr>
+            <a:picLocks noChangeAspect="1"/>
+          </p:cNvPicPr>
+          <p:nvPr/>
+        </p:nvPicPr>
+        <p:blipFill>
+          <a:blip r:embed="rId2"/>
+          <a:stretch>
+            <a:fillRect/>
+          </a:stretch>
+        </p:blipFill>
+        <p:spPr>
+          <a:xfrm>
+            <a:off x="838200" y="-832702"/>
+            <a:ext cx="8851329" cy="6858000"/>
+          </a:xfrm>
+          <a:prstGeom prst="rect">
+            <a:avLst/>
+          </a:prstGeom>
+        </p:spPr>
+      </p:pic>
+      <p:sp>
+        <p:nvSpPr>
+          <p:cNvPr id="7" name="Pijl: rechts 6">
+            <a:extLst>
+              <a:ext uri="{FF2B5EF4-FFF2-40B4-BE49-F238E27FC236}">
+                <a16:creationId xmlns:a16="http://schemas.microsoft.com/office/drawing/2014/main" id="{F025333C-EB20-4C14-AA26-6338DC9BD206}"/>
+              </a:ext>
+            </a:extLst>
+          </p:cNvPr>
+          <p:cNvSpPr/>
+          <p:nvPr/>
+        </p:nvSpPr>
+        <p:spPr>
+          <a:xfrm rot="9609542">
+            <a:off x="2761202" y="3877706"/>
+            <a:ext cx="3482109" cy="2133600"/>
+          </a:xfrm>
+          <a:prstGeom prst="rightArrow">
+            <a:avLst/>
+          </a:prstGeom>
+        </p:spPr>
+        <p:style>
+          <a:lnRef idx="2">
+            <a:schemeClr val="accent1">
+              <a:shade val="50000"/>
+            </a:schemeClr>
+          </a:lnRef>
+          <a:fillRef idx="1">
+            <a:schemeClr val="accent1"/>
+          </a:fillRef>
+          <a:effectRef idx="0">
+            <a:schemeClr val="accent1"/>
+          </a:effectRef>
+          <a:fontRef idx="minor">
+            <a:schemeClr val="lt1"/>
+          </a:fontRef>
+        </p:style>
+        <p:txBody>
+          <a:bodyPr rtlCol="0" anchor="ctr"/>
+          <a:lstStyle/>
+          <a:p>
+            <a:pPr algn="ctr"/>
+            <a:endParaRPr lang="nl-BE" dirty="0"/>
+          </a:p>
+        </p:txBody>
+      </p:sp>
+      <p:sp>
+        <p:nvSpPr>
+          <p:cNvPr id="8" name="Tekstvak 7">
+            <a:extLst>
+              <a:ext uri="{FF2B5EF4-FFF2-40B4-BE49-F238E27FC236}">
+                <a16:creationId xmlns:a16="http://schemas.microsoft.com/office/drawing/2014/main" id="{4F47EE34-E3F1-4501-A377-5DC9FEFC8DA5}"/>
+              </a:ext>
+            </a:extLst>
+          </p:cNvPr>
+          <p:cNvSpPr txBox="1"/>
+          <p:nvPr/>
+        </p:nvSpPr>
+        <p:spPr>
+          <a:xfrm>
+            <a:off x="6203837" y="4116117"/>
+            <a:ext cx="2963312" cy="369332"/>
+          </a:xfrm>
+          <a:prstGeom prst="rect">
+            <a:avLst/>
+          </a:prstGeom>
+          <a:noFill/>
+        </p:spPr>
+        <p:txBody>
+          <a:bodyPr wrap="none" rtlCol="0">
+            <a:spAutoFit/>
+          </a:bodyPr>
+          <a:lstStyle/>
+          <a:p>
+            <a:r>
+              <a:rPr lang="nl-BE" dirty="0"/>
+              <a:t>Ik werk verder met deze versie</a:t>
+            </a:r>
+          </a:p>
+        </p:txBody>
+      </p:sp>
+    </p:spTree>
+    <p:extLst>
+      <p:ext uri="{BB962C8B-B14F-4D97-AF65-F5344CB8AC3E}">
+        <p14:creationId xmlns:p14="http://schemas.microsoft.com/office/powerpoint/2010/main" val="3987737629"/>
+      </p:ext>
+    </p:extLst>
+  </p:cSld>
+  <p:clrMapOvr>
+    <a:masterClrMapping/>
+  </p:clrMapOvr>
+</p:sld>
+</file>
+
+<file path=ppt/slides/slide2.xml><?xml version="1.0" encoding="utf-8"?>
+<p:sld xmlns:a="http://schemas.openxmlformats.org/drawingml/2006/main" xmlns:r="http://schemas.openxmlformats.org/officeDocument/2006/relationships" xmlns:p="http://schemas.openxmlformats.org/presentationml/2006/main">
+  <p:cSld>
+    <p:spTree>
+      <p:nvGrpSpPr>
+        <p:cNvPr id="1" name=""/>
+        <p:cNvGrpSpPr/>
+        <p:nvPr/>
+      </p:nvGrpSpPr>
+      <p:grpSpPr>
+        <a:xfrm>
+          <a:off x="0" y="0"/>
+          <a:ext cx="0" cy="0"/>
+          <a:chOff x="0" y="0"/>
+          <a:chExt cx="0" cy="0"/>
+        </a:xfrm>
+      </p:grpSpPr>
+      <p:sp>
+        <p:nvSpPr>
           <p:cNvPr id="3" name="Ondertitel 2">
             <a:extLst>
               <a:ext uri="{FF2B5EF4-FFF2-40B4-BE49-F238E27FC236}">
@@ -4355,7 +4586,7 @@
 </p:sld>
 </file>
 
-<file path=ppt/slides/slide2.xml><?xml version="1.0" encoding="utf-8"?>
+<file path=ppt/slides/slide3.xml><?xml version="1.0" encoding="utf-8"?>
 <p:sld xmlns:a="http://schemas.openxmlformats.org/drawingml/2006/main" xmlns:r="http://schemas.openxmlformats.org/officeDocument/2006/relationships" xmlns:p="http://schemas.openxmlformats.org/presentationml/2006/main">
   <p:cSld>
     <p:spTree>
@@ -4479,7 +4710,7 @@
               <a:pPr>
                 <a:defRPr/>
               </a:pPr>
-              <a:t>2</a:t>
+              <a:t>3</a:t>
             </a:fld>
             <a:endParaRPr lang="nl-NL" dirty="0"/>
           </a:p>
@@ -4558,7 +4789,7 @@
 </p:sld>
 </file>
 
-<file path=ppt/slides/slide3.xml><?xml version="1.0" encoding="utf-8"?>
+<file path=ppt/slides/slide4.xml><?xml version="1.0" encoding="utf-8"?>
 <p:sld xmlns:a="http://schemas.openxmlformats.org/drawingml/2006/main" xmlns:r="http://schemas.openxmlformats.org/officeDocument/2006/relationships" xmlns:p="http://schemas.openxmlformats.org/presentationml/2006/main">
   <p:cSld>
     <p:spTree>
@@ -4687,7 +4918,7 @@
               <a:pPr>
                 <a:defRPr/>
               </a:pPr>
-              <a:t>3</a:t>
+              <a:t>4</a:t>
             </a:fld>
             <a:endParaRPr lang="nl-NL" dirty="0"/>
           </a:p>
@@ -4753,139 +4984,6 @@
 </p:sld>
 </file>
 
-<file path=ppt/slides/slide4.xml><?xml version="1.0" encoding="utf-8"?>
-<p:sld xmlns:a="http://schemas.openxmlformats.org/drawingml/2006/main" xmlns:r="http://schemas.openxmlformats.org/officeDocument/2006/relationships" xmlns:p="http://schemas.openxmlformats.org/presentationml/2006/main">
-  <p:cSld>
-    <p:spTree>
-      <p:nvGrpSpPr>
-        <p:cNvPr id="1" name=""/>
-        <p:cNvGrpSpPr/>
-        <p:nvPr/>
-      </p:nvGrpSpPr>
-      <p:grpSpPr>
-        <a:xfrm>
-          <a:off x="0" y="0"/>
-          <a:ext cx="0" cy="0"/>
-          <a:chOff x="0" y="0"/>
-          <a:chExt cx="0" cy="0"/>
-        </a:xfrm>
-      </p:grpSpPr>
-      <p:sp>
-        <p:nvSpPr>
-          <p:cNvPr id="2" name="Titel 1">
-            <a:extLst>
-              <a:ext uri="{FF2B5EF4-FFF2-40B4-BE49-F238E27FC236}">
-                <a16:creationId xmlns:a16="http://schemas.microsoft.com/office/drawing/2014/main" id="{A6F6DEBE-4FF0-44C6-B035-393D413EFD08}"/>
-              </a:ext>
-            </a:extLst>
-          </p:cNvPr>
-          <p:cNvSpPr>
-            <a:spLocks noGrp="1"/>
-          </p:cNvSpPr>
-          <p:nvPr>
-            <p:ph type="title"/>
-          </p:nvPr>
-        </p:nvSpPr>
-        <p:spPr/>
-        <p:txBody>
-          <a:bodyPr/>
-          <a:lstStyle/>
-          <a:p>
-            <a:r>
-              <a:rPr lang="nl-BE" dirty="0" err="1"/>
-              <a:t>Gameframework</a:t>
-            </a:r>
-            <a:endParaRPr lang="nl-BE" dirty="0"/>
-          </a:p>
-        </p:txBody>
-      </p:sp>
-      <p:pic>
-        <p:nvPicPr>
-          <p:cNvPr id="8" name="Tijdelijke aanduiding voor inhoud 7">
-            <a:extLst>
-              <a:ext uri="{FF2B5EF4-FFF2-40B4-BE49-F238E27FC236}">
-                <a16:creationId xmlns:a16="http://schemas.microsoft.com/office/drawing/2014/main" id="{02504542-224F-4A43-9D03-A8E063221E70}"/>
-              </a:ext>
-            </a:extLst>
-          </p:cNvPr>
-          <p:cNvPicPr>
-            <a:picLocks noGrp="1" noChangeAspect="1"/>
-          </p:cNvPicPr>
-          <p:nvPr>
-            <p:ph idx="1"/>
-          </p:nvPr>
-        </p:nvPicPr>
-        <p:blipFill>
-          <a:blip r:embed="rId2">
-            <a:extLst>
-              <a:ext uri="{28A0092B-C50C-407E-A947-70E740481C1C}">
-                <a14:useLocalDpi xmlns:a14="http://schemas.microsoft.com/office/drawing/2010/main" val="0"/>
-              </a:ext>
-            </a:extLst>
-          </a:blip>
-          <a:stretch>
-            <a:fillRect/>
-          </a:stretch>
-        </p:blipFill>
-        <p:spPr>
-          <a:xfrm>
-            <a:off x="4067175" y="1991519"/>
-            <a:ext cx="4057650" cy="4019550"/>
-          </a:xfrm>
-        </p:spPr>
-      </p:pic>
-      <p:sp>
-        <p:nvSpPr>
-          <p:cNvPr id="4" name="Tijdelijke aanduiding voor dianummer 3">
-            <a:extLst>
-              <a:ext uri="{FF2B5EF4-FFF2-40B4-BE49-F238E27FC236}">
-                <a16:creationId xmlns:a16="http://schemas.microsoft.com/office/drawing/2014/main" id="{AE8417CB-AA02-4A84-87CB-3D407851AC63}"/>
-              </a:ext>
-            </a:extLst>
-          </p:cNvPr>
-          <p:cNvSpPr>
-            <a:spLocks noGrp="1"/>
-          </p:cNvSpPr>
-          <p:nvPr>
-            <p:ph type="sldNum" sz="quarter" idx="12"/>
-          </p:nvPr>
-        </p:nvSpPr>
-        <p:spPr/>
-        <p:txBody>
-          <a:bodyPr/>
-          <a:lstStyle/>
-          <a:p>
-            <a:pPr>
-              <a:defRPr/>
-            </a:pPr>
-            <a:r>
-              <a:rPr lang="nl-NL"/>
-              <a:t>© ap| </a:t>
-            </a:r>
-            <a:fld id="{8A00CA90-1673-4C5D-B289-DA0BFE9501DF}" type="slidenum">
-              <a:rPr lang="nl-NL" smtClean="0"/>
-              <a:pPr>
-                <a:defRPr/>
-              </a:pPr>
-              <a:t>4</a:t>
-            </a:fld>
-            <a:endParaRPr lang="nl-NL" dirty="0"/>
-          </a:p>
-        </p:txBody>
-      </p:sp>
-    </p:spTree>
-    <p:extLst>
-      <p:ext uri="{BB962C8B-B14F-4D97-AF65-F5344CB8AC3E}">
-        <p14:creationId xmlns:p14="http://schemas.microsoft.com/office/powerpoint/2010/main" val="4029337826"/>
-      </p:ext>
-    </p:extLst>
-  </p:cSld>
-  <p:clrMapOvr>
-    <a:masterClrMapping/>
-  </p:clrMapOvr>
-</p:sld>
-</file>
-
 <file path=ppt/slides/slide5.xml><?xml version="1.0" encoding="utf-8"?>
 <p:sld xmlns:a="http://schemas.openxmlformats.org/drawingml/2006/main" xmlns:r="http://schemas.openxmlformats.org/officeDocument/2006/relationships" xmlns:p="http://schemas.openxmlformats.org/presentationml/2006/main">
   <p:cSld>
@@ -4908,6 +5006,181 @@
           <p:cNvPr id="2" name="Titel 1">
             <a:extLst>
               <a:ext uri="{FF2B5EF4-FFF2-40B4-BE49-F238E27FC236}">
+                <a16:creationId xmlns:a16="http://schemas.microsoft.com/office/drawing/2014/main" id="{A6F6DEBE-4FF0-44C6-B035-393D413EFD08}"/>
+              </a:ext>
+            </a:extLst>
+          </p:cNvPr>
+          <p:cNvSpPr>
+            <a:spLocks noGrp="1"/>
+          </p:cNvSpPr>
+          <p:nvPr>
+            <p:ph type="title"/>
+          </p:nvPr>
+        </p:nvSpPr>
+        <p:spPr/>
+        <p:txBody>
+          <a:bodyPr/>
+          <a:lstStyle/>
+          <a:p>
+            <a:r>
+              <a:rPr lang="nl-BE" dirty="0" err="1"/>
+              <a:t>Gameframework</a:t>
+            </a:r>
+            <a:r>
+              <a:rPr lang="nl-BE" dirty="0"/>
+              <a:t>: In Spel-klasse</a:t>
+            </a:r>
+          </a:p>
+        </p:txBody>
+      </p:sp>
+      <p:sp>
+        <p:nvSpPr>
+          <p:cNvPr id="4" name="Tijdelijke aanduiding voor dianummer 3">
+            <a:extLst>
+              <a:ext uri="{FF2B5EF4-FFF2-40B4-BE49-F238E27FC236}">
+                <a16:creationId xmlns:a16="http://schemas.microsoft.com/office/drawing/2014/main" id="{AE8417CB-AA02-4A84-87CB-3D407851AC63}"/>
+              </a:ext>
+            </a:extLst>
+          </p:cNvPr>
+          <p:cNvSpPr>
+            <a:spLocks noGrp="1"/>
+          </p:cNvSpPr>
+          <p:nvPr>
+            <p:ph type="sldNum" sz="quarter" idx="12"/>
+          </p:nvPr>
+        </p:nvSpPr>
+        <p:spPr/>
+        <p:txBody>
+          <a:bodyPr/>
+          <a:lstStyle/>
+          <a:p>
+            <a:pPr>
+              <a:defRPr/>
+            </a:pPr>
+            <a:r>
+              <a:rPr lang="nl-NL"/>
+              <a:t>© ap| </a:t>
+            </a:r>
+            <a:fld id="{8A00CA90-1673-4C5D-B289-DA0BFE9501DF}" type="slidenum">
+              <a:rPr lang="nl-NL" smtClean="0"/>
+              <a:pPr>
+                <a:defRPr/>
+              </a:pPr>
+              <a:t>5</a:t>
+            </a:fld>
+            <a:endParaRPr lang="nl-NL" dirty="0"/>
+          </a:p>
+        </p:txBody>
+      </p:sp>
+      <p:sp>
+        <p:nvSpPr>
+          <p:cNvPr id="3" name="Tekstvak 2">
+            <a:extLst>
+              <a:ext uri="{FF2B5EF4-FFF2-40B4-BE49-F238E27FC236}">
+                <a16:creationId xmlns:a16="http://schemas.microsoft.com/office/drawing/2014/main" id="{3CC982FF-B822-4E28-ACF7-5DD08556D296}"/>
+              </a:ext>
+            </a:extLst>
+          </p:cNvPr>
+          <p:cNvSpPr txBox="1"/>
+          <p:nvPr/>
+        </p:nvSpPr>
+        <p:spPr>
+          <a:xfrm>
+            <a:off x="1357746" y="1806853"/>
+            <a:ext cx="3574472" cy="369332"/>
+          </a:xfrm>
+          <a:prstGeom prst="rect">
+            <a:avLst/>
+          </a:prstGeom>
+          <a:noFill/>
+        </p:spPr>
+        <p:txBody>
+          <a:bodyPr wrap="square" rtlCol="0">
+            <a:spAutoFit/>
+          </a:bodyPr>
+          <a:lstStyle/>
+          <a:p>
+            <a:pPr marL="285750" indent="-285750">
+              <a:buFont typeface="Arial" panose="020B0604020202020204" pitchFamily="34" charset="0"/>
+              <a:buChar char="•"/>
+            </a:pPr>
+            <a:r>
+              <a:rPr lang="nl-BE" dirty="0"/>
+              <a:t>Startspel-methode</a:t>
+            </a:r>
+          </a:p>
+        </p:txBody>
+      </p:sp>
+      <p:pic>
+        <p:nvPicPr>
+          <p:cNvPr id="11" name="Tijdelijke aanduiding voor inhoud 10">
+            <a:extLst>
+              <a:ext uri="{FF2B5EF4-FFF2-40B4-BE49-F238E27FC236}">
+                <a16:creationId xmlns:a16="http://schemas.microsoft.com/office/drawing/2014/main" id="{A5E35BC4-CFB6-4729-B93A-560A7EBD66BD}"/>
+              </a:ext>
+            </a:extLst>
+          </p:cNvPr>
+          <p:cNvPicPr>
+            <a:picLocks noGrp="1" noChangeAspect="1"/>
+          </p:cNvPicPr>
+          <p:nvPr>
+            <p:ph idx="1"/>
+          </p:nvPr>
+        </p:nvPicPr>
+        <p:blipFill>
+          <a:blip r:embed="rId2">
+            <a:extLst>
+              <a:ext uri="{28A0092B-C50C-407E-A947-70E740481C1C}">
+                <a14:useLocalDpi xmlns:a14="http://schemas.microsoft.com/office/drawing/2010/main" val="0"/>
+              </a:ext>
+            </a:extLst>
+          </a:blip>
+          <a:stretch>
+            <a:fillRect/>
+          </a:stretch>
+        </p:blipFill>
+        <p:spPr>
+          <a:xfrm>
+            <a:off x="4067175" y="1996281"/>
+            <a:ext cx="4057650" cy="4010025"/>
+          </a:xfrm>
+        </p:spPr>
+      </p:pic>
+    </p:spTree>
+    <p:extLst>
+      <p:ext uri="{BB962C8B-B14F-4D97-AF65-F5344CB8AC3E}">
+        <p14:creationId xmlns:p14="http://schemas.microsoft.com/office/powerpoint/2010/main" val="4029337826"/>
+      </p:ext>
+    </p:extLst>
+  </p:cSld>
+  <p:clrMapOvr>
+    <a:masterClrMapping/>
+  </p:clrMapOvr>
+</p:sld>
+</file>
+
+<file path=ppt/slides/slide6.xml><?xml version="1.0" encoding="utf-8"?>
+<p:sld xmlns:a="http://schemas.openxmlformats.org/drawingml/2006/main" xmlns:r="http://schemas.openxmlformats.org/officeDocument/2006/relationships" xmlns:p="http://schemas.openxmlformats.org/presentationml/2006/main">
+  <p:cSld>
+    <p:spTree>
+      <p:nvGrpSpPr>
+        <p:cNvPr id="1" name=""/>
+        <p:cNvGrpSpPr/>
+        <p:nvPr/>
+      </p:nvGrpSpPr>
+      <p:grpSpPr>
+        <a:xfrm>
+          <a:off x="0" y="0"/>
+          <a:ext cx="0" cy="0"/>
+          <a:chOff x="0" y="0"/>
+          <a:chExt cx="0" cy="0"/>
+        </a:xfrm>
+      </p:grpSpPr>
+      <p:sp>
+        <p:nvSpPr>
+          <p:cNvPr id="2" name="Titel 1">
+            <a:extLst>
+              <a:ext uri="{FF2B5EF4-FFF2-40B4-BE49-F238E27FC236}">
                 <a16:creationId xmlns:a16="http://schemas.microsoft.com/office/drawing/2014/main" id="{9C22A166-819E-45B5-9A09-0EE5A8A86099}"/>
               </a:ext>
             </a:extLst>
@@ -4999,7 +5272,7 @@
               <a:pPr>
                 <a:defRPr/>
               </a:pPr>
-              <a:t>5</a:t>
+              <a:t>6</a:t>
             </a:fld>
             <a:endParaRPr lang="nl-NL" dirty="0"/>
           </a:p>
